--- a/Ticket_Pricing_Workshop.pptx
+++ b/Ticket_Pricing_Workshop.pptx
@@ -5804,7 +5804,7 @@
         </p:nvSpPr>
         <p:spPr>
           <a:xfrm>
-            <a:off x="1320560" y="2598003"/>
+            <a:off x="1320560" y="2234109"/>
             <a:ext cx="9550879" cy="1754326"/>
           </a:xfrm>
           <a:prstGeom prst="rect">
@@ -5825,33 +5825,8 @@
                   <a:srgbClr val="00318D"/>
                 </a:solidFill>
               </a:rPr>
-              <a:t>Forecasting the demand and Pricing Tickets</a:t>
-            </a:r>
-          </a:p>
-        </p:txBody>
-      </p:sp>
-      <p:sp>
-        <p:nvSpPr>
-          <p:cNvPr id="2" name="Footer Placeholder 1">
-            <a:extLst>
-              <a:ext uri="{FF2B5EF4-FFF2-40B4-BE49-F238E27FC236}">
-                <a16:creationId xmlns:a16="http://schemas.microsoft.com/office/drawing/2014/main" id="{9B657E96-2CDD-84C7-9A1C-973FB545855E}"/>
-              </a:ext>
-            </a:extLst>
-          </p:cNvPr>
-          <p:cNvSpPr>
-            <a:spLocks noGrp="1"/>
-          </p:cNvSpPr>
-          <p:nvPr>
-            <p:ph type="ftr" sz="quarter" idx="11"/>
-          </p:nvPr>
-        </p:nvSpPr>
-        <p:spPr/>
-        <p:txBody>
-          <a:bodyPr/>
-          <a:lstStyle/>
-          <a:p>
-            <a:endParaRPr lang="en-US" dirty="0"/>
+              <a:t>Forecasting Consumer Demand and the Pricing of Tickets</a:t>
+            </a:r>
           </a:p>
         </p:txBody>
       </p:sp>
@@ -7801,8 +7776,8 @@
           </a:p>
         </p:txBody>
       </p:sp>
-      <mc:AlternateContent xmlns:mc="http://schemas.openxmlformats.org/markup-compatibility/2006">
-        <mc:Choice xmlns:a14="http://schemas.microsoft.com/office/drawing/2010/main" Requires="a14">
+      <mc:AlternateContent xmlns:mc="http://schemas.openxmlformats.org/markup-compatibility/2006" xmlns:a14="http://schemas.microsoft.com/office/drawing/2010/main">
+        <mc:Choice Requires="a14">
           <p:graphicFrame>
             <p:nvGraphicFramePr>
               <p:cNvPr id="6" name="Table 5">
@@ -7921,6 +7896,7 @@
                         <a:bodyPr/>
                         <a:lstStyle/>
                         <a:p>
+                          <a:pPr/>
                           <a14:m>
                             <m:oMathPara xmlns:m="http://schemas.openxmlformats.org/officeDocument/2006/math">
                               <m:oMathParaPr>
@@ -7928,44 +7904,62 @@
                               </m:oMathParaPr>
                               <m:oMath xmlns:m="http://schemas.openxmlformats.org/officeDocument/2006/math">
                                 <m:r>
-                                  <a:rPr lang="en-US" b="0" smtClean="0"/>
+                                  <a:rPr lang="en-US" b="0" smtClean="0">
+                                    <a:latin typeface="Cambria Math" panose="02040503050406030204" pitchFamily="18" charset="0"/>
+                                  </a:rPr>
                                   <m:t>𝑑</m:t>
                                 </m:r>
                                 <m:d>
                                   <m:dPr>
                                     <m:ctrlPr>
-                                      <a:rPr lang="en-US" b="0" smtClean="0"/>
+                                      <a:rPr lang="en-US" b="0" i="1" smtClean="0">
+                                        <a:latin typeface="Cambria Math" panose="02040503050406030204" pitchFamily="18" charset="0"/>
+                                      </a:rPr>
                                     </m:ctrlPr>
                                   </m:dPr>
                                   <m:e>
                                     <m:r>
-                                      <a:rPr lang="en-US" b="0" smtClean="0"/>
+                                      <a:rPr lang="en-US" b="0" smtClean="0">
+                                        <a:latin typeface="Cambria Math" panose="02040503050406030204" pitchFamily="18" charset="0"/>
+                                      </a:rPr>
                                       <m:t>𝑝</m:t>
                                     </m:r>
                                   </m:e>
                                 </m:d>
                                 <m:r>
-                                  <a:rPr lang="en-US" smtClean="0"/>
+                                  <a:rPr lang="en-US" smtClean="0">
+                                    <a:latin typeface="Cambria Math" panose="02040503050406030204" pitchFamily="18" charset="0"/>
+                                  </a:rPr>
                                   <m:t>=</m:t>
                                 </m:r>
                                 <m:r>
-                                  <a:rPr lang="en-US" b="0" smtClean="0"/>
+                                  <a:rPr lang="en-US" b="0" smtClean="0">
+                                    <a:latin typeface="Cambria Math" panose="02040503050406030204" pitchFamily="18" charset="0"/>
+                                  </a:rPr>
                                   <m:t>𝐷</m:t>
                                 </m:r>
                                 <m:r>
-                                  <a:rPr lang="en-US" b="0" smtClean="0"/>
+                                  <a:rPr lang="en-US" b="0" smtClean="0">
+                                    <a:latin typeface="Cambria Math" panose="02040503050406030204" pitchFamily="18" charset="0"/>
+                                  </a:rPr>
                                   <m:t>+</m:t>
                                 </m:r>
                                 <m:r>
-                                  <a:rPr lang="en-US" b="0" smtClean="0"/>
+                                  <a:rPr lang="en-US" b="0" smtClean="0">
+                                    <a:latin typeface="Cambria Math" panose="02040503050406030204" pitchFamily="18" charset="0"/>
+                                  </a:rPr>
                                   <m:t>𝑚</m:t>
                                 </m:r>
                                 <m:r>
-                                  <a:rPr lang="en-US" b="0" smtClean="0"/>
+                                  <a:rPr lang="en-US" b="0" smtClean="0">
+                                    <a:latin typeface="Cambria Math" panose="02040503050406030204" pitchFamily="18" charset="0"/>
+                                  </a:rPr>
                                   <m:t>∗</m:t>
                                 </m:r>
                                 <m:r>
-                                  <a:rPr lang="en-US" b="0" smtClean="0"/>
+                                  <a:rPr lang="en-US" b="0" smtClean="0">
+                                    <a:latin typeface="Cambria Math" panose="02040503050406030204" pitchFamily="18" charset="0"/>
+                                  </a:rPr>
                                   <m:t>𝑝</m:t>
                                 </m:r>
                               </m:oMath>
@@ -8014,6 +8008,7 @@
                         <a:bodyPr/>
                         <a:lstStyle/>
                         <a:p>
+                          <a:pPr/>
                           <a14:m>
                             <m:oMathPara xmlns:m="http://schemas.openxmlformats.org/officeDocument/2006/math">
                               <m:oMathParaPr>
@@ -8021,49 +8016,67 @@
                               </m:oMathParaPr>
                               <m:oMath xmlns:m="http://schemas.openxmlformats.org/officeDocument/2006/math">
                                 <m:r>
-                                  <a:rPr lang="en-US" b="0" smtClean="0"/>
+                                  <a:rPr lang="en-US" b="0" smtClean="0">
+                                    <a:latin typeface="Cambria Math" panose="02040503050406030204" pitchFamily="18" charset="0"/>
+                                  </a:rPr>
                                   <m:t>𝑑</m:t>
                                 </m:r>
                                 <m:d>
                                   <m:dPr>
                                     <m:ctrlPr>
-                                      <a:rPr lang="en-US" b="0" smtClean="0"/>
+                                      <a:rPr lang="en-US" b="0" i="1" smtClean="0">
+                                        <a:latin typeface="Cambria Math" panose="02040503050406030204" pitchFamily="18" charset="0"/>
+                                      </a:rPr>
                                     </m:ctrlPr>
                                   </m:dPr>
                                   <m:e>
                                     <m:r>
-                                      <a:rPr lang="en-US" b="0" smtClean="0"/>
+                                      <a:rPr lang="en-US" b="0" smtClean="0">
+                                        <a:latin typeface="Cambria Math" panose="02040503050406030204" pitchFamily="18" charset="0"/>
+                                      </a:rPr>
                                       <m:t>𝑝</m:t>
                                     </m:r>
                                   </m:e>
                                 </m:d>
                                 <m:r>
-                                  <a:rPr lang="en-US" b="0" smtClean="0"/>
+                                  <a:rPr lang="en-US" b="0" smtClean="0">
+                                    <a:latin typeface="Cambria Math" panose="02040503050406030204" pitchFamily="18" charset="0"/>
+                                  </a:rPr>
                                   <m:t>=</m:t>
                                 </m:r>
                                 <m:r>
-                                  <a:rPr lang="en-US" b="0" smtClean="0"/>
+                                  <a:rPr lang="en-US" b="0" smtClean="0">
+                                    <a:latin typeface="Cambria Math" panose="02040503050406030204" pitchFamily="18" charset="0"/>
+                                  </a:rPr>
                                   <m:t>𝐶</m:t>
                                 </m:r>
                                 <m:r>
-                                  <a:rPr lang="en-US" b="0" smtClean="0"/>
+                                  <a:rPr lang="en-US" b="0" smtClean="0">
+                                    <a:latin typeface="Cambria Math" panose="02040503050406030204" pitchFamily="18" charset="0"/>
+                                  </a:rPr>
                                   <m:t>∗ </m:t>
                                 </m:r>
                                 <m:sSup>
                                   <m:sSupPr>
                                     <m:ctrlPr>
-                                      <a:rPr lang="en-US" b="0" smtClean="0"/>
+                                      <a:rPr lang="en-US" b="0" i="1" smtClean="0">
+                                        <a:latin typeface="Cambria Math" panose="02040503050406030204" pitchFamily="18" charset="0"/>
+                                      </a:rPr>
                                     </m:ctrlPr>
                                   </m:sSupPr>
                                   <m:e>
                                     <m:r>
-                                      <a:rPr lang="en-US" b="0" smtClean="0"/>
+                                      <a:rPr lang="en-US" b="0" smtClean="0">
+                                        <a:latin typeface="Cambria Math" panose="02040503050406030204" pitchFamily="18" charset="0"/>
+                                      </a:rPr>
                                       <m:t>𝑝</m:t>
                                     </m:r>
                                   </m:e>
                                   <m:sup>
                                     <m:r>
-                                      <a:rPr lang="en-US" b="0" smtClean="0"/>
+                                      <a:rPr lang="en-US" b="0" smtClean="0">
+                                        <a:latin typeface="Cambria Math" panose="02040503050406030204" pitchFamily="18" charset="0"/>
+                                      </a:rPr>
                                       <m:t>𝑒</m:t>
                                     </m:r>
                                   </m:sup>
@@ -8493,7 +8506,7 @@
             </a:graphic>
           </p:graphicFrame>
         </mc:Choice>
-        <mc:Fallback>
+        <mc:Fallback xmlns="">
           <p:graphicFrame>
             <p:nvGraphicFramePr>
               <p:cNvPr id="6" name="Table 5">
@@ -9794,8 +9807,8 @@
           </a:p>
         </p:txBody>
       </p:sp>
-      <mc:AlternateContent xmlns:mc="http://schemas.openxmlformats.org/markup-compatibility/2006">
-        <mc:Choice xmlns:a14="http://schemas.microsoft.com/office/drawing/2010/main" Requires="a14">
+      <mc:AlternateContent xmlns:mc="http://schemas.openxmlformats.org/markup-compatibility/2006" xmlns:a14="http://schemas.microsoft.com/office/drawing/2010/main">
+        <mc:Choice Requires="a14">
           <p:sp>
             <p:nvSpPr>
               <p:cNvPr id="7" name="TextBox 6">
@@ -9858,7 +9871,7 @@
                             <a:srgbClr val="00318D"/>
                           </a:solidFill>
                         </a:rPr>
-                        <m:t>-88.16618</m:t>
+                        <m:t>−88.16618</m:t>
                       </m:r>
                       <m:sSup>
                         <m:sSupPr>
@@ -9935,7 +9948,7 @@
                                 <a:srgbClr val="00318D"/>
                               </a:solidFill>
                             </a:rPr>
-                            <m:t>-0.04375</m:t>
+                            <m:t>−0.04375</m:t>
                           </m:r>
                           <m:r>
                             <m:rPr>
@@ -9973,7 +9986,7 @@
             </p:txBody>
           </p:sp>
         </mc:Choice>
-        <mc:Fallback>
+        <mc:Fallback xmlns="">
           <p:sp>
             <p:nvSpPr>
               <p:cNvPr id="7" name="TextBox 6">
@@ -10059,8 +10072,8 @@
           </a:p>
         </p:txBody>
       </p:sp>
-      <mc:AlternateContent xmlns:mc="http://schemas.openxmlformats.org/markup-compatibility/2006">
-        <mc:Choice xmlns:a14="http://schemas.microsoft.com/office/drawing/2010/main" Requires="a14">
+      <mc:AlternateContent xmlns:mc="http://schemas.openxmlformats.org/markup-compatibility/2006" xmlns:a14="http://schemas.microsoft.com/office/drawing/2010/main">
+        <mc:Choice Requires="a14">
           <p:sp>
             <p:nvSpPr>
               <p:cNvPr id="14" name="TextBox 13">
@@ -10276,7 +10289,7 @@
             </p:txBody>
           </p:sp>
         </mc:Choice>
-        <mc:Fallback>
+        <mc:Fallback xmlns="">
           <p:sp>
             <p:nvSpPr>
               <p:cNvPr id="14" name="TextBox 13">
@@ -10321,8 +10334,8 @@
           </p:sp>
         </mc:Fallback>
       </mc:AlternateContent>
-      <mc:AlternateContent xmlns:mc="http://schemas.openxmlformats.org/markup-compatibility/2006">
-        <mc:Choice xmlns:a14="http://schemas.microsoft.com/office/drawing/2010/main" Requires="a14">
+      <mc:AlternateContent xmlns:mc="http://schemas.openxmlformats.org/markup-compatibility/2006" xmlns:a14="http://schemas.microsoft.com/office/drawing/2010/main">
+        <mc:Choice Requires="a14">
           <p:sp>
             <p:nvSpPr>
               <p:cNvPr id="15" name="TextBox 14">
@@ -10448,7 +10461,7 @@
             </p:txBody>
           </p:sp>
         </mc:Choice>
-        <mc:Fallback>
+        <mc:Fallback xmlns="">
           <p:sp>
             <p:nvSpPr>
               <p:cNvPr id="15" name="TextBox 14">

--- a/Ticket_Pricing_Workshop.pptx
+++ b/Ticket_Pricing_Workshop.pptx
@@ -1147,7 +1147,7 @@
           <a:p>
             <a:fld id="{CAB5B8BD-CF1B-45CA-ACDA-DFBA16BD3057}" type="datetimeFigureOut">
               <a:rPr lang="en-US" smtClean="0"/>
-              <a:t>2/19/2024</a:t>
+              <a:t>2/20/2024</a:t>
             </a:fld>
             <a:endParaRPr lang="en-US"/>
           </a:p>
@@ -1561,7 +1561,7 @@
           <a:p>
             <a:fld id="{599BE84D-5B1F-47BF-B43F-D56A622204A8}" type="datetime1">
               <a:rPr lang="en-US" smtClean="0"/>
-              <a:t>2/19/2024</a:t>
+              <a:t>2/20/2024</a:t>
             </a:fld>
             <a:endParaRPr lang="en-US"/>
           </a:p>
@@ -1703,53 +1703,6 @@
           </a:fontRef>
         </p:style>
       </p:cxnSp>
-      <p:pic>
-        <p:nvPicPr>
-          <p:cNvPr id="9" name="Picture 4" descr="atlanta braves 2023 city connect Logo PNG Vector">
-            <a:extLst>
-              <a:ext uri="{FF2B5EF4-FFF2-40B4-BE49-F238E27FC236}">
-                <a16:creationId xmlns:a16="http://schemas.microsoft.com/office/drawing/2014/main" id="{0DF3390D-E020-FA3D-F0DB-D4C8E28A3D73}"/>
-              </a:ext>
-            </a:extLst>
-          </p:cNvPr>
-          <p:cNvPicPr>
-            <a:picLocks noChangeAspect="1" noChangeArrowheads="1"/>
-          </p:cNvPicPr>
-          <p:nvPr userDrawn="1"/>
-        </p:nvPicPr>
-        <p:blipFill>
-          <a:blip r:embed="rId2">
-            <a:extLst>
-              <a:ext uri="{28A0092B-C50C-407E-A947-70E740481C1C}">
-                <a14:useLocalDpi xmlns:a14="http://schemas.microsoft.com/office/drawing/2010/main" val="0"/>
-              </a:ext>
-            </a:extLst>
-          </a:blip>
-          <a:srcRect/>
-          <a:stretch>
-            <a:fillRect/>
-          </a:stretch>
-        </p:blipFill>
-        <p:spPr bwMode="auto">
-          <a:xfrm>
-            <a:off x="11568767" y="29198"/>
-            <a:ext cx="535531" cy="499828"/>
-          </a:xfrm>
-          <a:prstGeom prst="rect">
-            <a:avLst/>
-          </a:prstGeom>
-          <a:noFill/>
-          <a:extLst>
-            <a:ext uri="{909E8E84-426E-40DD-AFC4-6F175D3DCCD1}">
-              <a14:hiddenFill xmlns:a14="http://schemas.microsoft.com/office/drawing/2010/main">
-                <a:solidFill>
-                  <a:srgbClr val="FFFFFF"/>
-                </a:solidFill>
-              </a14:hiddenFill>
-            </a:ext>
-          </a:extLst>
-        </p:spPr>
-      </p:pic>
     </p:spTree>
     <p:extLst>
       <p:ext uri="{BB962C8B-B14F-4D97-AF65-F5344CB8AC3E}">
@@ -1888,7 +1841,7 @@
           <a:p>
             <a:fld id="{E324D7AC-2401-4E9D-AD26-4B7C0E55B496}" type="datetime1">
               <a:rPr lang="en-US" smtClean="0"/>
-              <a:t>2/19/2024</a:t>
+              <a:t>2/20/2024</a:t>
             </a:fld>
             <a:endParaRPr lang="en-US"/>
           </a:p>
@@ -2096,7 +2049,7 @@
           <a:p>
             <a:fld id="{F3906832-D085-4337-B108-579CD7EFA2F7}" type="datetime1">
               <a:rPr lang="en-US" smtClean="0"/>
-              <a:t>2/19/2024</a:t>
+              <a:t>2/20/2024</a:t>
             </a:fld>
             <a:endParaRPr lang="en-US"/>
           </a:p>
@@ -2294,7 +2247,7 @@
           <a:p>
             <a:fld id="{0B7321A7-92C7-4174-8528-555FFEE38891}" type="datetime1">
               <a:rPr lang="en-US" smtClean="0"/>
-              <a:t>2/19/2024</a:t>
+              <a:t>2/20/2024</a:t>
             </a:fld>
             <a:endParaRPr lang="en-US"/>
           </a:p>
@@ -2436,53 +2389,6 @@
           </a:fontRef>
         </p:style>
       </p:cxnSp>
-      <p:pic>
-        <p:nvPicPr>
-          <p:cNvPr id="9" name="Picture 4" descr="atlanta braves 2023 city connect Logo PNG Vector">
-            <a:extLst>
-              <a:ext uri="{FF2B5EF4-FFF2-40B4-BE49-F238E27FC236}">
-                <a16:creationId xmlns:a16="http://schemas.microsoft.com/office/drawing/2014/main" id="{F8CAAA4E-83B8-DADB-AEF1-F506A6DECC0C}"/>
-              </a:ext>
-            </a:extLst>
-          </p:cNvPr>
-          <p:cNvPicPr>
-            <a:picLocks noChangeAspect="1" noChangeArrowheads="1"/>
-          </p:cNvPicPr>
-          <p:nvPr userDrawn="1"/>
-        </p:nvPicPr>
-        <p:blipFill>
-          <a:blip r:embed="rId2">
-            <a:extLst>
-              <a:ext uri="{28A0092B-C50C-407E-A947-70E740481C1C}">
-                <a14:useLocalDpi xmlns:a14="http://schemas.microsoft.com/office/drawing/2010/main" val="0"/>
-              </a:ext>
-            </a:extLst>
-          </a:blip>
-          <a:srcRect/>
-          <a:stretch>
-            <a:fillRect/>
-          </a:stretch>
-        </p:blipFill>
-        <p:spPr bwMode="auto">
-          <a:xfrm>
-            <a:off x="11568767" y="29198"/>
-            <a:ext cx="535531" cy="499828"/>
-          </a:xfrm>
-          <a:prstGeom prst="rect">
-            <a:avLst/>
-          </a:prstGeom>
-          <a:noFill/>
-          <a:extLst>
-            <a:ext uri="{909E8E84-426E-40DD-AFC4-6F175D3DCCD1}">
-              <a14:hiddenFill xmlns:a14="http://schemas.microsoft.com/office/drawing/2010/main">
-                <a:solidFill>
-                  <a:srgbClr val="FFFFFF"/>
-                </a:solidFill>
-              </a14:hiddenFill>
-            </a:ext>
-          </a:extLst>
-        </p:spPr>
-      </p:pic>
     </p:spTree>
     <p:extLst>
       <p:ext uri="{BB962C8B-B14F-4D97-AF65-F5344CB8AC3E}">
@@ -2698,7 +2604,7 @@
           <a:p>
             <a:fld id="{7E1D8C7D-091C-4BE9-93FA-A4C9171284D0}" type="datetime1">
               <a:rPr lang="en-US" smtClean="0"/>
-              <a:t>2/19/2024</a:t>
+              <a:t>2/20/2024</a:t>
             </a:fld>
             <a:endParaRPr lang="en-US"/>
           </a:p>
@@ -2840,53 +2746,6 @@
           </a:fontRef>
         </p:style>
       </p:cxnSp>
-      <p:pic>
-        <p:nvPicPr>
-          <p:cNvPr id="9" name="Picture 4" descr="atlanta braves 2023 city connect Logo PNG Vector">
-            <a:extLst>
-              <a:ext uri="{FF2B5EF4-FFF2-40B4-BE49-F238E27FC236}">
-                <a16:creationId xmlns:a16="http://schemas.microsoft.com/office/drawing/2014/main" id="{B60953FD-928B-DA93-2879-8BEE8E60847C}"/>
-              </a:ext>
-            </a:extLst>
-          </p:cNvPr>
-          <p:cNvPicPr>
-            <a:picLocks noChangeAspect="1" noChangeArrowheads="1"/>
-          </p:cNvPicPr>
-          <p:nvPr userDrawn="1"/>
-        </p:nvPicPr>
-        <p:blipFill>
-          <a:blip r:embed="rId2">
-            <a:extLst>
-              <a:ext uri="{28A0092B-C50C-407E-A947-70E740481C1C}">
-                <a14:useLocalDpi xmlns:a14="http://schemas.microsoft.com/office/drawing/2010/main" val="0"/>
-              </a:ext>
-            </a:extLst>
-          </a:blip>
-          <a:srcRect/>
-          <a:stretch>
-            <a:fillRect/>
-          </a:stretch>
-        </p:blipFill>
-        <p:spPr bwMode="auto">
-          <a:xfrm>
-            <a:off x="11568767" y="29198"/>
-            <a:ext cx="535531" cy="499828"/>
-          </a:xfrm>
-          <a:prstGeom prst="rect">
-            <a:avLst/>
-          </a:prstGeom>
-          <a:noFill/>
-          <a:extLst>
-            <a:ext uri="{909E8E84-426E-40DD-AFC4-6F175D3DCCD1}">
-              <a14:hiddenFill xmlns:a14="http://schemas.microsoft.com/office/drawing/2010/main">
-                <a:solidFill>
-                  <a:srgbClr val="FFFFFF"/>
-                </a:solidFill>
-              </a14:hiddenFill>
-            </a:ext>
-          </a:extLst>
-        </p:spPr>
-      </p:pic>
     </p:spTree>
     <p:extLst>
       <p:ext uri="{BB962C8B-B14F-4D97-AF65-F5344CB8AC3E}">
@@ -3092,7 +2951,7 @@
           <a:p>
             <a:fld id="{40BCF99B-ACE9-4E39-A5B1-EBF95DE37313}" type="datetime1">
               <a:rPr lang="en-US" smtClean="0"/>
-              <a:t>2/19/2024</a:t>
+              <a:t>2/20/2024</a:t>
             </a:fld>
             <a:endParaRPr lang="en-US"/>
           </a:p>
@@ -3234,53 +3093,6 @@
           </a:fontRef>
         </p:style>
       </p:cxnSp>
-      <p:pic>
-        <p:nvPicPr>
-          <p:cNvPr id="10" name="Picture 4" descr="atlanta braves 2023 city connect Logo PNG Vector">
-            <a:extLst>
-              <a:ext uri="{FF2B5EF4-FFF2-40B4-BE49-F238E27FC236}">
-                <a16:creationId xmlns:a16="http://schemas.microsoft.com/office/drawing/2014/main" id="{CB286346-6596-D0A2-BC02-0221F23755C7}"/>
-              </a:ext>
-            </a:extLst>
-          </p:cNvPr>
-          <p:cNvPicPr>
-            <a:picLocks noChangeAspect="1" noChangeArrowheads="1"/>
-          </p:cNvPicPr>
-          <p:nvPr userDrawn="1"/>
-        </p:nvPicPr>
-        <p:blipFill>
-          <a:blip r:embed="rId2">
-            <a:extLst>
-              <a:ext uri="{28A0092B-C50C-407E-A947-70E740481C1C}">
-                <a14:useLocalDpi xmlns:a14="http://schemas.microsoft.com/office/drawing/2010/main" val="0"/>
-              </a:ext>
-            </a:extLst>
-          </a:blip>
-          <a:srcRect/>
-          <a:stretch>
-            <a:fillRect/>
-          </a:stretch>
-        </p:blipFill>
-        <p:spPr bwMode="auto">
-          <a:xfrm>
-            <a:off x="11568767" y="29198"/>
-            <a:ext cx="535531" cy="499828"/>
-          </a:xfrm>
-          <a:prstGeom prst="rect">
-            <a:avLst/>
-          </a:prstGeom>
-          <a:noFill/>
-          <a:extLst>
-            <a:ext uri="{909E8E84-426E-40DD-AFC4-6F175D3DCCD1}">
-              <a14:hiddenFill xmlns:a14="http://schemas.microsoft.com/office/drawing/2010/main">
-                <a:solidFill>
-                  <a:srgbClr val="FFFFFF"/>
-                </a:solidFill>
-              </a14:hiddenFill>
-            </a:ext>
-          </a:extLst>
-        </p:spPr>
-      </p:pic>
     </p:spTree>
     <p:extLst>
       <p:ext uri="{BB962C8B-B14F-4D97-AF65-F5344CB8AC3E}">
@@ -3633,7 +3445,7 @@
           <a:p>
             <a:fld id="{2FBBCA4A-8699-4407-9543-9CC958D5D0A0}" type="datetime1">
               <a:rPr lang="en-US" smtClean="0"/>
-              <a:t>2/19/2024</a:t>
+              <a:t>2/20/2024</a:t>
             </a:fld>
             <a:endParaRPr lang="en-US"/>
           </a:p>
@@ -3775,53 +3587,6 @@
           </a:fontRef>
         </p:style>
       </p:cxnSp>
-      <p:pic>
-        <p:nvPicPr>
-          <p:cNvPr id="12" name="Picture 4" descr="atlanta braves 2023 city connect Logo PNG Vector">
-            <a:extLst>
-              <a:ext uri="{FF2B5EF4-FFF2-40B4-BE49-F238E27FC236}">
-                <a16:creationId xmlns:a16="http://schemas.microsoft.com/office/drawing/2014/main" id="{227BF659-21AF-90A5-4183-51EBC8C25CDF}"/>
-              </a:ext>
-            </a:extLst>
-          </p:cNvPr>
-          <p:cNvPicPr>
-            <a:picLocks noChangeAspect="1" noChangeArrowheads="1"/>
-          </p:cNvPicPr>
-          <p:nvPr userDrawn="1"/>
-        </p:nvPicPr>
-        <p:blipFill>
-          <a:blip r:embed="rId2">
-            <a:extLst>
-              <a:ext uri="{28A0092B-C50C-407E-A947-70E740481C1C}">
-                <a14:useLocalDpi xmlns:a14="http://schemas.microsoft.com/office/drawing/2010/main" val="0"/>
-              </a:ext>
-            </a:extLst>
-          </a:blip>
-          <a:srcRect/>
-          <a:stretch>
-            <a:fillRect/>
-          </a:stretch>
-        </p:blipFill>
-        <p:spPr bwMode="auto">
-          <a:xfrm>
-            <a:off x="11568767" y="29198"/>
-            <a:ext cx="535531" cy="499828"/>
-          </a:xfrm>
-          <a:prstGeom prst="rect">
-            <a:avLst/>
-          </a:prstGeom>
-          <a:noFill/>
-          <a:extLst>
-            <a:ext uri="{909E8E84-426E-40DD-AFC4-6F175D3DCCD1}">
-              <a14:hiddenFill xmlns:a14="http://schemas.microsoft.com/office/drawing/2010/main">
-                <a:solidFill>
-                  <a:srgbClr val="FFFFFF"/>
-                </a:solidFill>
-              </a14:hiddenFill>
-            </a:ext>
-          </a:extLst>
-        </p:spPr>
-      </p:pic>
     </p:spTree>
     <p:extLst>
       <p:ext uri="{BB962C8B-B14F-4D97-AF65-F5344CB8AC3E}">
@@ -3903,7 +3668,7 @@
           <a:p>
             <a:fld id="{2247C029-3F36-4307-BED4-93EF0E5FD664}" type="datetime1">
               <a:rPr lang="en-US" smtClean="0"/>
-              <a:t>2/19/2024</a:t>
+              <a:t>2/20/2024</a:t>
             </a:fld>
             <a:endParaRPr lang="en-US"/>
           </a:p>
@@ -4045,53 +3810,6 @@
           </a:fontRef>
         </p:style>
       </p:cxnSp>
-      <p:pic>
-        <p:nvPicPr>
-          <p:cNvPr id="8" name="Picture 4" descr="atlanta braves 2023 city connect Logo PNG Vector">
-            <a:extLst>
-              <a:ext uri="{FF2B5EF4-FFF2-40B4-BE49-F238E27FC236}">
-                <a16:creationId xmlns:a16="http://schemas.microsoft.com/office/drawing/2014/main" id="{C16C2E1B-02DD-5559-BD52-2FA9A36856F1}"/>
-              </a:ext>
-            </a:extLst>
-          </p:cNvPr>
-          <p:cNvPicPr>
-            <a:picLocks noChangeAspect="1" noChangeArrowheads="1"/>
-          </p:cNvPicPr>
-          <p:nvPr userDrawn="1"/>
-        </p:nvPicPr>
-        <p:blipFill>
-          <a:blip r:embed="rId2">
-            <a:extLst>
-              <a:ext uri="{28A0092B-C50C-407E-A947-70E740481C1C}">
-                <a14:useLocalDpi xmlns:a14="http://schemas.microsoft.com/office/drawing/2010/main" val="0"/>
-              </a:ext>
-            </a:extLst>
-          </a:blip>
-          <a:srcRect/>
-          <a:stretch>
-            <a:fillRect/>
-          </a:stretch>
-        </p:blipFill>
-        <p:spPr bwMode="auto">
-          <a:xfrm>
-            <a:off x="11568767" y="29198"/>
-            <a:ext cx="535531" cy="499828"/>
-          </a:xfrm>
-          <a:prstGeom prst="rect">
-            <a:avLst/>
-          </a:prstGeom>
-          <a:noFill/>
-          <a:extLst>
-            <a:ext uri="{909E8E84-426E-40DD-AFC4-6F175D3DCCD1}">
-              <a14:hiddenFill xmlns:a14="http://schemas.microsoft.com/office/drawing/2010/main">
-                <a:solidFill>
-                  <a:srgbClr val="FFFFFF"/>
-                </a:solidFill>
-              </a14:hiddenFill>
-            </a:ext>
-          </a:extLst>
-        </p:spPr>
-      </p:pic>
     </p:spTree>
     <p:extLst>
       <p:ext uri="{BB962C8B-B14F-4D97-AF65-F5344CB8AC3E}">
@@ -4145,7 +3863,7 @@
           <a:p>
             <a:fld id="{04B0BA61-B789-4028-9E50-14FEFFD9BFAA}" type="datetime1">
               <a:rPr lang="en-US" smtClean="0"/>
-              <a:t>2/19/2024</a:t>
+              <a:t>2/20/2024</a:t>
             </a:fld>
             <a:endParaRPr lang="en-US"/>
           </a:p>
@@ -4287,53 +4005,6 @@
           </a:fontRef>
         </p:style>
       </p:cxnSp>
-      <p:pic>
-        <p:nvPicPr>
-          <p:cNvPr id="7" name="Picture 4" descr="atlanta braves 2023 city connect Logo PNG Vector">
-            <a:extLst>
-              <a:ext uri="{FF2B5EF4-FFF2-40B4-BE49-F238E27FC236}">
-                <a16:creationId xmlns:a16="http://schemas.microsoft.com/office/drawing/2014/main" id="{20FB9F52-15DD-9F87-61C5-C2801D8EF692}"/>
-              </a:ext>
-            </a:extLst>
-          </p:cNvPr>
-          <p:cNvPicPr>
-            <a:picLocks noChangeAspect="1" noChangeArrowheads="1"/>
-          </p:cNvPicPr>
-          <p:nvPr userDrawn="1"/>
-        </p:nvPicPr>
-        <p:blipFill>
-          <a:blip r:embed="rId2">
-            <a:extLst>
-              <a:ext uri="{28A0092B-C50C-407E-A947-70E740481C1C}">
-                <a14:useLocalDpi xmlns:a14="http://schemas.microsoft.com/office/drawing/2010/main" val="0"/>
-              </a:ext>
-            </a:extLst>
-          </a:blip>
-          <a:srcRect/>
-          <a:stretch>
-            <a:fillRect/>
-          </a:stretch>
-        </p:blipFill>
-        <p:spPr bwMode="auto">
-          <a:xfrm>
-            <a:off x="11568767" y="29198"/>
-            <a:ext cx="535531" cy="499828"/>
-          </a:xfrm>
-          <a:prstGeom prst="rect">
-            <a:avLst/>
-          </a:prstGeom>
-          <a:noFill/>
-          <a:extLst>
-            <a:ext uri="{909E8E84-426E-40DD-AFC4-6F175D3DCCD1}">
-              <a14:hiddenFill xmlns:a14="http://schemas.microsoft.com/office/drawing/2010/main">
-                <a:solidFill>
-                  <a:srgbClr val="FFFFFF"/>
-                </a:solidFill>
-              </a14:hiddenFill>
-            </a:ext>
-          </a:extLst>
-        </p:spPr>
-      </p:pic>
     </p:spTree>
     <p:extLst>
       <p:ext uri="{BB962C8B-B14F-4D97-AF65-F5344CB8AC3E}">
@@ -4585,7 +4256,7 @@
           <a:p>
             <a:fld id="{9F628D45-ED87-4D17-B525-35ABB9DE8735}" type="datetime1">
               <a:rPr lang="en-US" smtClean="0"/>
-              <a:t>2/19/2024</a:t>
+              <a:t>2/20/2024</a:t>
             </a:fld>
             <a:endParaRPr lang="en-US"/>
           </a:p>
@@ -4727,53 +4398,6 @@
           </a:fontRef>
         </p:style>
       </p:cxnSp>
-      <p:pic>
-        <p:nvPicPr>
-          <p:cNvPr id="10" name="Picture 4" descr="atlanta braves 2023 city connect Logo PNG Vector">
-            <a:extLst>
-              <a:ext uri="{FF2B5EF4-FFF2-40B4-BE49-F238E27FC236}">
-                <a16:creationId xmlns:a16="http://schemas.microsoft.com/office/drawing/2014/main" id="{0FE0F9DB-1BD6-61AD-33F0-9574D3166FC0}"/>
-              </a:ext>
-            </a:extLst>
-          </p:cNvPr>
-          <p:cNvPicPr>
-            <a:picLocks noChangeAspect="1" noChangeArrowheads="1"/>
-          </p:cNvPicPr>
-          <p:nvPr userDrawn="1"/>
-        </p:nvPicPr>
-        <p:blipFill>
-          <a:blip r:embed="rId2">
-            <a:extLst>
-              <a:ext uri="{28A0092B-C50C-407E-A947-70E740481C1C}">
-                <a14:useLocalDpi xmlns:a14="http://schemas.microsoft.com/office/drawing/2010/main" val="0"/>
-              </a:ext>
-            </a:extLst>
-          </a:blip>
-          <a:srcRect/>
-          <a:stretch>
-            <a:fillRect/>
-          </a:stretch>
-        </p:blipFill>
-        <p:spPr bwMode="auto">
-          <a:xfrm>
-            <a:off x="11568767" y="29198"/>
-            <a:ext cx="535531" cy="499828"/>
-          </a:xfrm>
-          <a:prstGeom prst="rect">
-            <a:avLst/>
-          </a:prstGeom>
-          <a:noFill/>
-          <a:extLst>
-            <a:ext uri="{909E8E84-426E-40DD-AFC4-6F175D3DCCD1}">
-              <a14:hiddenFill xmlns:a14="http://schemas.microsoft.com/office/drawing/2010/main">
-                <a:solidFill>
-                  <a:srgbClr val="FFFFFF"/>
-                </a:solidFill>
-              </a14:hiddenFill>
-            </a:ext>
-          </a:extLst>
-        </p:spPr>
-      </p:pic>
     </p:spTree>
     <p:extLst>
       <p:ext uri="{BB962C8B-B14F-4D97-AF65-F5344CB8AC3E}">
@@ -5002,7 +4626,7 @@
           <a:p>
             <a:fld id="{19BA0736-25C7-424D-A202-E26B51F597BA}" type="datetime1">
               <a:rPr lang="en-US" smtClean="0"/>
-              <a:t>2/19/2024</a:t>
+              <a:t>2/20/2024</a:t>
             </a:fld>
             <a:endParaRPr lang="en-US"/>
           </a:p>
@@ -5243,7 +4867,7 @@
           <a:p>
             <a:fld id="{CCB9C0F8-3B9C-452E-B002-83454C347A40}" type="datetime1">
               <a:rPr lang="en-US" smtClean="0"/>
-              <a:t>2/19/2024</a:t>
+              <a:t>2/20/2024</a:t>
             </a:fld>
             <a:endParaRPr lang="en-US"/>
           </a:p>
@@ -5421,53 +5045,6 @@
           </a:fontRef>
         </p:style>
       </p:cxnSp>
-      <p:pic>
-        <p:nvPicPr>
-          <p:cNvPr id="9" name="Picture 4" descr="atlanta braves 2023 city connect Logo PNG Vector">
-            <a:extLst>
-              <a:ext uri="{FF2B5EF4-FFF2-40B4-BE49-F238E27FC236}">
-                <a16:creationId xmlns:a16="http://schemas.microsoft.com/office/drawing/2014/main" id="{BA41ECFC-D92E-8A85-5CEE-4D1F1A572095}"/>
-              </a:ext>
-            </a:extLst>
-          </p:cNvPr>
-          <p:cNvPicPr>
-            <a:picLocks noChangeAspect="1" noChangeArrowheads="1"/>
-          </p:cNvPicPr>
-          <p:nvPr userDrawn="1"/>
-        </p:nvPicPr>
-        <p:blipFill>
-          <a:blip r:embed="rId13">
-            <a:extLst>
-              <a:ext uri="{28A0092B-C50C-407E-A947-70E740481C1C}">
-                <a14:useLocalDpi xmlns:a14="http://schemas.microsoft.com/office/drawing/2010/main" val="0"/>
-              </a:ext>
-            </a:extLst>
-          </a:blip>
-          <a:srcRect/>
-          <a:stretch>
-            <a:fillRect/>
-          </a:stretch>
-        </p:blipFill>
-        <p:spPr bwMode="auto">
-          <a:xfrm>
-            <a:off x="11568767" y="29198"/>
-            <a:ext cx="535531" cy="499828"/>
-          </a:xfrm>
-          <a:prstGeom prst="rect">
-            <a:avLst/>
-          </a:prstGeom>
-          <a:noFill/>
-          <a:extLst>
-            <a:ext uri="{909E8E84-426E-40DD-AFC4-6F175D3DCCD1}">
-              <a14:hiddenFill xmlns:a14="http://schemas.microsoft.com/office/drawing/2010/main">
-                <a:solidFill>
-                  <a:srgbClr val="FFFFFF"/>
-                </a:solidFill>
-              </a14:hiddenFill>
-            </a:ext>
-          </a:extLst>
-        </p:spPr>
-      </p:pic>
     </p:spTree>
     <p:extLst>
       <p:ext uri="{BB962C8B-B14F-4D97-AF65-F5344CB8AC3E}">

--- a/Ticket_Pricing_Workshop.pptx
+++ b/Ticket_Pricing_Workshop.pptx
@@ -13386,8 +13386,8 @@
         </p:nvSpPr>
         <p:spPr>
           <a:xfrm>
-            <a:off x="8378890" y="860722"/>
-            <a:ext cx="3567406" cy="2862322"/>
+            <a:off x="8378889" y="860722"/>
+            <a:ext cx="3749851" cy="3170099"/>
           </a:xfrm>
           <a:prstGeom prst="rect">
             <a:avLst/>
@@ -13429,7 +13429,25 @@
                 </a:solidFill>
                 <a:latin typeface="Franklin Gothic Book" panose="020B0503020102020204" pitchFamily="34" charset="0"/>
               </a:rPr>
-              <a:t>techniques.</a:t>
+              <a:t>techniques that you might find in </a:t>
+            </a:r>
+            <a:r>
+              <a:rPr lang="en-US" sz="2000" i="1" dirty="0">
+                <a:solidFill>
+                  <a:srgbClr val="13171B"/>
+                </a:solidFill>
+                <a:latin typeface="Franklin Gothic Book" panose="020B0503020102020204" pitchFamily="34" charset="0"/>
+              </a:rPr>
+              <a:t>Network Management</a:t>
+            </a:r>
+            <a:r>
+              <a:rPr lang="en-US" sz="2000" dirty="0">
+                <a:solidFill>
+                  <a:srgbClr val="13171B"/>
+                </a:solidFill>
+                <a:latin typeface="Franklin Gothic Book" panose="020B0503020102020204" pitchFamily="34" charset="0"/>
+              </a:rPr>
+              <a:t>.</a:t>
             </a:r>
           </a:p>
           <a:p>
@@ -13467,12 +13485,15 @@
               <a:buFont typeface="Arial" panose="020B0604020202020204" pitchFamily="34" charset="0"/>
               <a:buChar char="•"/>
             </a:pPr>
-            <a:endParaRPr lang="en-US" sz="2000" dirty="0">
-              <a:solidFill>
-                <a:srgbClr val="13171B"/>
-              </a:solidFill>
-              <a:latin typeface="Franklin Gothic Book" panose="020B0503020102020204" pitchFamily="34" charset="0"/>
-            </a:endParaRPr>
+            <a:r>
+              <a:rPr lang="en-US" sz="2000" dirty="0">
+                <a:solidFill>
+                  <a:srgbClr val="13171B"/>
+                </a:solidFill>
+                <a:latin typeface="Franklin Gothic Book" panose="020B0503020102020204" pitchFamily="34" charset="0"/>
+              </a:rPr>
+              <a:t>management</a:t>
+            </a:r>
           </a:p>
         </p:txBody>
       </p:sp>
